--- a/695ppt 1.pptx
+++ b/695ppt 1.pptx
@@ -23,8 +23,10 @@
     <p:sldId id="267" r:id="rId17"/>
     <p:sldId id="268" r:id="rId18"/>
     <p:sldId id="270" r:id="rId19"/>
-    <p:sldId id="271" r:id="rId20"/>
-    <p:sldId id="272" r:id="rId21"/>
+    <p:sldId id="274" r:id="rId20"/>
+    <p:sldId id="275" r:id="rId21"/>
+    <p:sldId id="271" r:id="rId22"/>
+    <p:sldId id="272" r:id="rId23"/>
   </p:sldIdLst>
   <p:sldSz cx="10080625" cy="7559675"/>
   <p:notesSz cx="7772400" cy="10058400"/>
@@ -123,6 +125,11 @@
       </a:defRPr>
     </a:lvl9pPr>
   </p:defaultTextStyle>
+  <p:extLst>
+    <p:ext uri="{EFAFB233-063F-42B5-8137-9DF3F51BA10A}">
+      <p15:sldGuideLst xmlns:p15="http://schemas.microsoft.com/office/powerpoint/2012/main"/>
+    </p:ext>
+  </p:extLst>
 </p:presentation>
 </file>
 
@@ -10477,6 +10484,226 @@
       </p:grpSpPr>
       <p:sp>
         <p:nvSpPr>
+          <p:cNvPr id="2" name="Title 1"/>
+          <p:cNvSpPr>
+            <a:spLocks noGrp="1"/>
+          </p:cNvSpPr>
+          <p:nvPr>
+            <p:ph type="title"/>
+          </p:nvPr>
+        </p:nvSpPr>
+        <p:spPr/>
+        <p:txBody>
+          <a:bodyPr/>
+          <a:lstStyle/>
+          <a:p>
+            <a:pPr algn="ctr"/>
+            <a:r>
+              <a:rPr lang="en-US" dirty="0" smtClean="0"/>
+              <a:t>ANN</a:t>
+            </a:r>
+            <a:endParaRPr lang="en-US" dirty="0"/>
+          </a:p>
+        </p:txBody>
+      </p:sp>
+      <p:sp>
+        <p:nvSpPr>
+          <p:cNvPr id="3" name="Subtitle 2"/>
+          <p:cNvSpPr>
+            <a:spLocks noGrp="1"/>
+          </p:cNvSpPr>
+          <p:nvPr>
+            <p:ph type="subTitle"/>
+          </p:nvPr>
+        </p:nvSpPr>
+        <p:spPr/>
+        <p:txBody>
+          <a:bodyPr/>
+          <a:lstStyle/>
+          <a:p>
+            <a:endParaRPr lang="en-US"/>
+          </a:p>
+        </p:txBody>
+      </p:sp>
+      <p:pic>
+        <p:nvPicPr>
+          <p:cNvPr id="4" name="Picture 3"/>
+          <p:cNvPicPr>
+            <a:picLocks noChangeAspect="1"/>
+          </p:cNvPicPr>
+          <p:nvPr/>
+        </p:nvPicPr>
+        <p:blipFill>
+          <a:blip r:embed="rId2">
+            <a:extLst>
+              <a:ext uri="{28A0092B-C50C-407E-A947-70E740481C1C}">
+                <a14:useLocalDpi xmlns:a14="http://schemas.microsoft.com/office/drawing/2010/main" val="0"/>
+              </a:ext>
+            </a:extLst>
+          </a:blip>
+          <a:stretch>
+            <a:fillRect/>
+          </a:stretch>
+        </p:blipFill>
+        <p:spPr>
+          <a:xfrm>
+            <a:off x="-956172" y="1285875"/>
+            <a:ext cx="11814671" cy="6495672"/>
+          </a:xfrm>
+          <a:prstGeom prst="rect">
+            <a:avLst/>
+          </a:prstGeom>
+        </p:spPr>
+      </p:pic>
+    </p:spTree>
+    <p:extLst>
+      <p:ext uri="{BB962C8B-B14F-4D97-AF65-F5344CB8AC3E}">
+        <p14:creationId xmlns:p14="http://schemas.microsoft.com/office/powerpoint/2010/main" val="1384001545"/>
+      </p:ext>
+    </p:extLst>
+  </p:cSld>
+  <p:clrMapOvr>
+    <a:masterClrMapping/>
+  </p:clrMapOvr>
+  <p:timing>
+    <p:tnLst>
+      <p:par>
+        <p:cTn id="1" dur="indefinite" restart="never" nodeType="tmRoot"/>
+      </p:par>
+    </p:tnLst>
+  </p:timing>
+</p:sld>
+</file>
+
+<file path=ppt/slides/slide17.xml><?xml version="1.0" encoding="utf-8"?>
+<p:sld xmlns:a="http://schemas.openxmlformats.org/drawingml/2006/main" xmlns:r="http://schemas.openxmlformats.org/officeDocument/2006/relationships" xmlns:p="http://schemas.openxmlformats.org/presentationml/2006/main">
+  <p:cSld>
+    <p:spTree>
+      <p:nvGrpSpPr>
+        <p:cNvPr id="1" name=""/>
+        <p:cNvGrpSpPr/>
+        <p:nvPr/>
+      </p:nvGrpSpPr>
+      <p:grpSpPr>
+        <a:xfrm>
+          <a:off x="0" y="0"/>
+          <a:ext cx="0" cy="0"/>
+          <a:chOff x="0" y="0"/>
+          <a:chExt cx="0" cy="0"/>
+        </a:xfrm>
+      </p:grpSpPr>
+      <p:sp>
+        <p:nvSpPr>
+          <p:cNvPr id="2" name="Title 1"/>
+          <p:cNvSpPr>
+            <a:spLocks noGrp="1"/>
+          </p:cNvSpPr>
+          <p:nvPr>
+            <p:ph type="title"/>
+          </p:nvPr>
+        </p:nvSpPr>
+        <p:spPr/>
+        <p:txBody>
+          <a:bodyPr/>
+          <a:lstStyle/>
+          <a:p>
+            <a:pPr algn="ctr"/>
+            <a:r>
+              <a:rPr lang="en-US" dirty="0" smtClean="0"/>
+              <a:t>ANN</a:t>
+            </a:r>
+            <a:endParaRPr lang="en-US" dirty="0"/>
+          </a:p>
+        </p:txBody>
+      </p:sp>
+      <p:sp>
+        <p:nvSpPr>
+          <p:cNvPr id="3" name="Subtitle 2"/>
+          <p:cNvSpPr>
+            <a:spLocks noGrp="1"/>
+          </p:cNvSpPr>
+          <p:nvPr>
+            <p:ph type="subTitle"/>
+          </p:nvPr>
+        </p:nvSpPr>
+        <p:spPr/>
+        <p:txBody>
+          <a:bodyPr/>
+          <a:lstStyle/>
+          <a:p>
+            <a:endParaRPr lang="en-US"/>
+          </a:p>
+        </p:txBody>
+      </p:sp>
+      <p:pic>
+        <p:nvPicPr>
+          <p:cNvPr id="4" name="Picture 3"/>
+          <p:cNvPicPr>
+            <a:picLocks noChangeAspect="1"/>
+          </p:cNvPicPr>
+          <p:nvPr/>
+        </p:nvPicPr>
+        <p:blipFill>
+          <a:blip r:embed="rId2">
+            <a:extLst>
+              <a:ext uri="{28A0092B-C50C-407E-A947-70E740481C1C}">
+                <a14:useLocalDpi xmlns:a14="http://schemas.microsoft.com/office/drawing/2010/main" val="0"/>
+              </a:ext>
+            </a:extLst>
+          </a:blip>
+          <a:stretch>
+            <a:fillRect/>
+          </a:stretch>
+        </p:blipFill>
+        <p:spPr>
+          <a:xfrm>
+            <a:off x="-928688" y="1257884"/>
+            <a:ext cx="11918293" cy="6301791"/>
+          </a:xfrm>
+          <a:prstGeom prst="rect">
+            <a:avLst/>
+          </a:prstGeom>
+        </p:spPr>
+      </p:pic>
+    </p:spTree>
+    <p:extLst>
+      <p:ext uri="{BB962C8B-B14F-4D97-AF65-F5344CB8AC3E}">
+        <p14:creationId xmlns:p14="http://schemas.microsoft.com/office/powerpoint/2010/main" val="2129747558"/>
+      </p:ext>
+    </p:extLst>
+  </p:cSld>
+  <p:clrMapOvr>
+    <a:masterClrMapping/>
+  </p:clrMapOvr>
+  <p:timing>
+    <p:tnLst>
+      <p:par>
+        <p:cTn id="1" dur="indefinite" restart="never" nodeType="tmRoot"/>
+      </p:par>
+    </p:tnLst>
+  </p:timing>
+</p:sld>
+</file>
+
+<file path=ppt/slides/slide18.xml><?xml version="1.0" encoding="utf-8"?>
+<p:sld xmlns:a="http://schemas.openxmlformats.org/drawingml/2006/main" xmlns:r="http://schemas.openxmlformats.org/officeDocument/2006/relationships" xmlns:p="http://schemas.openxmlformats.org/presentationml/2006/main">
+  <p:cSld>
+    <p:spTree>
+      <p:nvGrpSpPr>
+        <p:cNvPr id="1" name=""/>
+        <p:cNvGrpSpPr/>
+        <p:nvPr/>
+      </p:nvGrpSpPr>
+      <p:grpSpPr>
+        <a:xfrm>
+          <a:off x="0" y="0"/>
+          <a:ext cx="0" cy="0"/>
+          <a:chOff x="0" y="0"/>
+          <a:chExt cx="0" cy="0"/>
+        </a:xfrm>
+      </p:grpSpPr>
+      <p:sp>
+        <p:nvSpPr>
           <p:cNvPr id="193" name="TextShape 1"/>
           <p:cNvSpPr txBox="1"/>
           <p:nvPr/>
@@ -10863,7 +11090,7 @@
 </p:sld>
 </file>
 
-<file path=ppt/slides/slide17.xml><?xml version="1.0" encoding="utf-8"?>
+<file path=ppt/slides/slide19.xml><?xml version="1.0" encoding="utf-8"?>
 <p:sld xmlns:a="http://schemas.openxmlformats.org/drawingml/2006/main" xmlns:r="http://schemas.openxmlformats.org/officeDocument/2006/relationships" xmlns:p="http://schemas.openxmlformats.org/presentationml/2006/main">
   <p:cSld>
     <p:spTree>
@@ -12327,7 +12554,7 @@
         </p:spPr>
         <p:txBody>
           <a:bodyPr>
-            <a:normAutofit/>
+            <a:normAutofit fontScale="70000" lnSpcReduction="20000"/>
           </a:bodyPr>
           <a:lstStyle/>
           <a:p>
